--- a/Datasheets/Timings.pptx
+++ b/Datasheets/Timings.pptx
@@ -105,6 +105,11 @@
       </a:defRPr>
     </a:lvl9pPr>
   </p:defaultTextStyle>
+  <p:extLst>
+    <p:ext uri="{EFAFB233-063F-42B5-8137-9DF3F51BA10A}">
+      <p15:sldGuideLst xmlns:p15="http://schemas.microsoft.com/office/powerpoint/2012/main"/>
+    </p:ext>
+  </p:extLst>
 </p:presentation>
 </file>
 
@@ -153,7 +158,6 @@
               <a:rPr lang="de-DE"/>
               <a:t>Titelmasterformat durch Klicken bearbeiten</a:t>
             </a:r>
-            <a:endParaRPr lang="de-DE"/>
           </a:p>
         </p:txBody>
       </p:sp>
@@ -218,7 +222,6 @@
               <a:rPr lang="de-DE"/>
               <a:t>Formatvorlage des Untertitelmasters durch Klicken bearbeiten</a:t>
             </a:r>
-            <a:endParaRPr lang="de-DE"/>
           </a:p>
         </p:txBody>
       </p:sp>
@@ -239,7 +242,7 @@
           <a:p>
             <a:fld id="{03EDAB42-F506-4DF4-8C20-C90D929E9F5B}" type="datetimeFigureOut">
               <a:rPr lang="de-DE" smtClean="0"/>
-              <a:t>31.08.2017</a:t>
+              <a:t>04.02.2019</a:t>
             </a:fld>
             <a:endParaRPr lang="de-DE"/>
           </a:p>
@@ -336,7 +339,6 @@
               <a:rPr lang="de-DE"/>
               <a:t>Titelmasterformat durch Klicken bearbeiten</a:t>
             </a:r>
-            <a:endParaRPr lang="de-DE"/>
           </a:p>
         </p:txBody>
       </p:sp>
@@ -388,7 +390,6 @@
               <a:rPr lang="de-DE"/>
               <a:t>Fünfte Ebene</a:t>
             </a:r>
-            <a:endParaRPr lang="de-DE"/>
           </a:p>
         </p:txBody>
       </p:sp>
@@ -409,7 +410,7 @@
           <a:p>
             <a:fld id="{03EDAB42-F506-4DF4-8C20-C90D929E9F5B}" type="datetimeFigureOut">
               <a:rPr lang="de-DE" smtClean="0"/>
-              <a:t>31.08.2017</a:t>
+              <a:t>04.02.2019</a:t>
             </a:fld>
             <a:endParaRPr lang="de-DE"/>
           </a:p>
@@ -511,7 +512,6 @@
               <a:rPr lang="de-DE"/>
               <a:t>Titelmasterformat durch Klicken bearbeiten</a:t>
             </a:r>
-            <a:endParaRPr lang="de-DE"/>
           </a:p>
         </p:txBody>
       </p:sp>
@@ -568,7 +568,6 @@
               <a:rPr lang="de-DE"/>
               <a:t>Fünfte Ebene</a:t>
             </a:r>
-            <a:endParaRPr lang="de-DE"/>
           </a:p>
         </p:txBody>
       </p:sp>
@@ -589,7 +588,7 @@
           <a:p>
             <a:fld id="{03EDAB42-F506-4DF4-8C20-C90D929E9F5B}" type="datetimeFigureOut">
               <a:rPr lang="de-DE" smtClean="0"/>
-              <a:t>31.08.2017</a:t>
+              <a:t>04.02.2019</a:t>
             </a:fld>
             <a:endParaRPr lang="de-DE"/>
           </a:p>
@@ -686,7 +685,6 @@
               <a:rPr lang="de-DE"/>
               <a:t>Titelmasterformat durch Klicken bearbeiten</a:t>
             </a:r>
-            <a:endParaRPr lang="de-DE"/>
           </a:p>
         </p:txBody>
       </p:sp>
@@ -738,7 +736,6 @@
               <a:rPr lang="de-DE"/>
               <a:t>Fünfte Ebene</a:t>
             </a:r>
-            <a:endParaRPr lang="de-DE"/>
           </a:p>
         </p:txBody>
       </p:sp>
@@ -759,7 +756,7 @@
           <a:p>
             <a:fld id="{03EDAB42-F506-4DF4-8C20-C90D929E9F5B}" type="datetimeFigureOut">
               <a:rPr lang="de-DE" smtClean="0"/>
-              <a:t>31.08.2017</a:t>
+              <a:t>04.02.2019</a:t>
             </a:fld>
             <a:endParaRPr lang="de-DE"/>
           </a:p>
@@ -865,7 +862,6 @@
               <a:rPr lang="de-DE"/>
               <a:t>Titelmasterformat durch Klicken bearbeiten</a:t>
             </a:r>
-            <a:endParaRPr lang="de-DE"/>
           </a:p>
         </p:txBody>
       </p:sp>
@@ -1005,7 +1001,7 @@
           <a:p>
             <a:fld id="{03EDAB42-F506-4DF4-8C20-C90D929E9F5B}" type="datetimeFigureOut">
               <a:rPr lang="de-DE" smtClean="0"/>
-              <a:t>31.08.2017</a:t>
+              <a:t>04.02.2019</a:t>
             </a:fld>
             <a:endParaRPr lang="de-DE"/>
           </a:p>
@@ -1102,7 +1098,6 @@
               <a:rPr lang="de-DE"/>
               <a:t>Titelmasterformat durch Klicken bearbeiten</a:t>
             </a:r>
-            <a:endParaRPr lang="de-DE"/>
           </a:p>
         </p:txBody>
       </p:sp>
@@ -1159,7 +1154,6 @@
               <a:rPr lang="de-DE"/>
               <a:t>Fünfte Ebene</a:t>
             </a:r>
-            <a:endParaRPr lang="de-DE"/>
           </a:p>
         </p:txBody>
       </p:sp>
@@ -1216,7 +1210,6 @@
               <a:rPr lang="de-DE"/>
               <a:t>Fünfte Ebene</a:t>
             </a:r>
-            <a:endParaRPr lang="de-DE"/>
           </a:p>
         </p:txBody>
       </p:sp>
@@ -1237,7 +1230,7 @@
           <a:p>
             <a:fld id="{03EDAB42-F506-4DF4-8C20-C90D929E9F5B}" type="datetimeFigureOut">
               <a:rPr lang="de-DE" smtClean="0"/>
-              <a:t>31.08.2017</a:t>
+              <a:t>04.02.2019</a:t>
             </a:fld>
             <a:endParaRPr lang="de-DE"/>
           </a:p>
@@ -1339,7 +1332,6 @@
               <a:rPr lang="de-DE"/>
               <a:t>Titelmasterformat durch Klicken bearbeiten</a:t>
             </a:r>
-            <a:endParaRPr lang="de-DE"/>
           </a:p>
         </p:txBody>
       </p:sp>
@@ -1461,7 +1453,6 @@
               <a:rPr lang="de-DE"/>
               <a:t>Fünfte Ebene</a:t>
             </a:r>
-            <a:endParaRPr lang="de-DE"/>
           </a:p>
         </p:txBody>
       </p:sp>
@@ -1583,7 +1574,6 @@
               <a:rPr lang="de-DE"/>
               <a:t>Fünfte Ebene</a:t>
             </a:r>
-            <a:endParaRPr lang="de-DE"/>
           </a:p>
         </p:txBody>
       </p:sp>
@@ -1604,7 +1594,7 @@
           <a:p>
             <a:fld id="{03EDAB42-F506-4DF4-8C20-C90D929E9F5B}" type="datetimeFigureOut">
               <a:rPr lang="de-DE" smtClean="0"/>
-              <a:t>31.08.2017</a:t>
+              <a:t>04.02.2019</a:t>
             </a:fld>
             <a:endParaRPr lang="de-DE"/>
           </a:p>
@@ -1701,7 +1691,6 @@
               <a:rPr lang="de-DE"/>
               <a:t>Titelmasterformat durch Klicken bearbeiten</a:t>
             </a:r>
-            <a:endParaRPr lang="de-DE"/>
           </a:p>
         </p:txBody>
       </p:sp>
@@ -1722,7 +1711,7 @@
           <a:p>
             <a:fld id="{03EDAB42-F506-4DF4-8C20-C90D929E9F5B}" type="datetimeFigureOut">
               <a:rPr lang="de-DE" smtClean="0"/>
-              <a:t>31.08.2017</a:t>
+              <a:t>04.02.2019</a:t>
             </a:fld>
             <a:endParaRPr lang="de-DE"/>
           </a:p>
@@ -1817,7 +1806,7 @@
           <a:p>
             <a:fld id="{03EDAB42-F506-4DF4-8C20-C90D929E9F5B}" type="datetimeFigureOut">
               <a:rPr lang="de-DE" smtClean="0"/>
-              <a:t>31.08.2017</a:t>
+              <a:t>04.02.2019</a:t>
             </a:fld>
             <a:endParaRPr lang="de-DE"/>
           </a:p>
@@ -1923,7 +1912,6 @@
               <a:rPr lang="de-DE"/>
               <a:t>Titelmasterformat durch Klicken bearbeiten</a:t>
             </a:r>
-            <a:endParaRPr lang="de-DE"/>
           </a:p>
         </p:txBody>
       </p:sp>
@@ -2008,7 +1996,6 @@
               <a:rPr lang="de-DE"/>
               <a:t>Fünfte Ebene</a:t>
             </a:r>
-            <a:endParaRPr lang="de-DE"/>
           </a:p>
         </p:txBody>
       </p:sp>
@@ -2094,7 +2081,7 @@
           <a:p>
             <a:fld id="{03EDAB42-F506-4DF4-8C20-C90D929E9F5B}" type="datetimeFigureOut">
               <a:rPr lang="de-DE" smtClean="0"/>
-              <a:t>31.08.2017</a:t>
+              <a:t>04.02.2019</a:t>
             </a:fld>
             <a:endParaRPr lang="de-DE"/>
           </a:p>
@@ -2200,7 +2187,6 @@
               <a:rPr lang="de-DE"/>
               <a:t>Titelmasterformat durch Klicken bearbeiten</a:t>
             </a:r>
-            <a:endParaRPr lang="de-DE"/>
           </a:p>
         </p:txBody>
       </p:sp>
@@ -2347,7 +2333,7 @@
           <a:p>
             <a:fld id="{03EDAB42-F506-4DF4-8C20-C90D929E9F5B}" type="datetimeFigureOut">
               <a:rPr lang="de-DE" smtClean="0"/>
-              <a:t>31.08.2017</a:t>
+              <a:t>04.02.2019</a:t>
             </a:fld>
             <a:endParaRPr lang="de-DE"/>
           </a:p>
@@ -2459,7 +2445,6 @@
               <a:rPr lang="de-DE"/>
               <a:t>Titelmasterformat durch Klicken bearbeiten</a:t>
             </a:r>
-            <a:endParaRPr lang="de-DE"/>
           </a:p>
         </p:txBody>
       </p:sp>
@@ -2521,7 +2506,6 @@
               <a:rPr lang="de-DE"/>
               <a:t>Fünfte Ebene</a:t>
             </a:r>
-            <a:endParaRPr lang="de-DE"/>
           </a:p>
         </p:txBody>
       </p:sp>
@@ -2560,7 +2544,7 @@
           <a:p>
             <a:fld id="{03EDAB42-F506-4DF4-8C20-C90D929E9F5B}" type="datetimeFigureOut">
               <a:rPr lang="de-DE" smtClean="0"/>
-              <a:t>31.08.2017</a:t>
+              <a:t>04.02.2019</a:t>
             </a:fld>
             <a:endParaRPr lang="de-DE"/>
           </a:p>
@@ -3045,7 +3029,13 @@
       </p:sp>
       <p:pic>
         <p:nvPicPr>
-          <p:cNvPr id="9" name="Grafik 8"/>
+          <p:cNvPr id="2" name="Grafik 1">
+            <a:extLst>
+              <a:ext uri="{FF2B5EF4-FFF2-40B4-BE49-F238E27FC236}">
+                <a16:creationId xmlns:a16="http://schemas.microsoft.com/office/drawing/2014/main" id="{66278115-1186-41F0-83CA-1B41800ED79A}"/>
+              </a:ext>
+            </a:extLst>
+          </p:cNvPr>
           <p:cNvPicPr>
             <a:picLocks noChangeAspect="1"/>
           </p:cNvPicPr>
@@ -3059,8 +3049,38 @@
         </p:blipFill>
         <p:spPr>
           <a:xfrm>
-            <a:off x="55049" y="35554"/>
-            <a:ext cx="5595729" cy="5057143"/>
+            <a:off x="118956" y="122036"/>
+            <a:ext cx="5911629" cy="2117826"/>
+          </a:xfrm>
+          <a:prstGeom prst="rect">
+            <a:avLst/>
+          </a:prstGeom>
+        </p:spPr>
+      </p:pic>
+      <p:pic>
+        <p:nvPicPr>
+          <p:cNvPr id="3" name="Grafik 2">
+            <a:extLst>
+              <a:ext uri="{FF2B5EF4-FFF2-40B4-BE49-F238E27FC236}">
+                <a16:creationId xmlns:a16="http://schemas.microsoft.com/office/drawing/2014/main" id="{1A428FBE-40B7-4515-941F-A73A112A1F65}"/>
+              </a:ext>
+            </a:extLst>
+          </p:cNvPr>
+          <p:cNvPicPr>
+            <a:picLocks noChangeAspect="1"/>
+          </p:cNvPicPr>
+          <p:nvPr/>
+        </p:nvPicPr>
+        <p:blipFill>
+          <a:blip r:embed="rId5"/>
+          <a:stretch>
+            <a:fillRect/>
+          </a:stretch>
+        </p:blipFill>
+        <p:spPr>
+          <a:xfrm>
+            <a:off x="159451" y="2536879"/>
+            <a:ext cx="5735788" cy="2587437"/>
           </a:xfrm>
           <a:prstGeom prst="rect">
             <a:avLst/>
